--- a/react-files/project.pptx
+++ b/react-files/project.pptx
@@ -5,13 +5,14 @@
     <p:sldMasterId id="2147483648" r:id="rId1"/>
   </p:sldMasterIdLst>
   <p:notesMasterIdLst>
-    <p:notesMasterId r:id="rId6"/>
+    <p:notesMasterId r:id="rId7"/>
   </p:notesMasterIdLst>
   <p:sldIdLst>
-    <p:sldId id="256" r:id="rId2"/>
-    <p:sldId id="257" r:id="rId3"/>
-    <p:sldId id="258" r:id="rId4"/>
-    <p:sldId id="259" r:id="rId5"/>
+    <p:sldId id="260" r:id="rId2"/>
+    <p:sldId id="256" r:id="rId3"/>
+    <p:sldId id="257" r:id="rId4"/>
+    <p:sldId id="258" r:id="rId5"/>
+    <p:sldId id="259" r:id="rId6"/>
   </p:sldIdLst>
   <p:sldSz cx="12192000" cy="6858000"/>
   <p:notesSz cx="6858000" cy="9144000"/>
@@ -200,7 +201,7 @@
           <a:p>
             <a:fld id="{6C911721-BA18-4B08-9E17-55A9C668640C}" type="datetimeFigureOut">
               <a:rPr lang="he-IL" smtClean="0"/>
-              <a:t>כ"ד/סיון/תשפ"א</a:t>
+              <a:t>כ"ו/סיון/תשפ"א</a:t>
             </a:fld>
             <a:endParaRPr lang="he-IL"/>
           </a:p>
@@ -615,7 +616,7 @@
           <a:p>
             <a:fld id="{48397F34-261D-4542-A23F-5F144784B587}" type="datetimeFigureOut">
               <a:rPr lang="he-IL" smtClean="0"/>
-              <a:t>כ"ד/סיון/תשפ"א</a:t>
+              <a:t>כ"ו/סיון/תשפ"א</a:t>
             </a:fld>
             <a:endParaRPr lang="he-IL"/>
           </a:p>
@@ -813,7 +814,7 @@
           <a:p>
             <a:fld id="{48397F34-261D-4542-A23F-5F144784B587}" type="datetimeFigureOut">
               <a:rPr lang="he-IL" smtClean="0"/>
-              <a:t>כ"ד/סיון/תשפ"א</a:t>
+              <a:t>כ"ו/סיון/תשפ"א</a:t>
             </a:fld>
             <a:endParaRPr lang="he-IL"/>
           </a:p>
@@ -1021,7 +1022,7 @@
           <a:p>
             <a:fld id="{48397F34-261D-4542-A23F-5F144784B587}" type="datetimeFigureOut">
               <a:rPr lang="he-IL" smtClean="0"/>
-              <a:t>כ"ד/סיון/תשפ"א</a:t>
+              <a:t>כ"ו/סיון/תשפ"א</a:t>
             </a:fld>
             <a:endParaRPr lang="he-IL"/>
           </a:p>
@@ -1219,7 +1220,7 @@
           <a:p>
             <a:fld id="{48397F34-261D-4542-A23F-5F144784B587}" type="datetimeFigureOut">
               <a:rPr lang="he-IL" smtClean="0"/>
-              <a:t>כ"ד/סיון/תשפ"א</a:t>
+              <a:t>כ"ו/סיון/תשפ"א</a:t>
             </a:fld>
             <a:endParaRPr lang="he-IL"/>
           </a:p>
@@ -1494,7 +1495,7 @@
           <a:p>
             <a:fld id="{48397F34-261D-4542-A23F-5F144784B587}" type="datetimeFigureOut">
               <a:rPr lang="he-IL" smtClean="0"/>
-              <a:t>כ"ד/סיון/תשפ"א</a:t>
+              <a:t>כ"ו/סיון/תשפ"א</a:t>
             </a:fld>
             <a:endParaRPr lang="he-IL"/>
           </a:p>
@@ -1759,7 +1760,7 @@
           <a:p>
             <a:fld id="{48397F34-261D-4542-A23F-5F144784B587}" type="datetimeFigureOut">
               <a:rPr lang="he-IL" smtClean="0"/>
-              <a:t>כ"ד/סיון/תשפ"א</a:t>
+              <a:t>כ"ו/סיון/תשפ"א</a:t>
             </a:fld>
             <a:endParaRPr lang="he-IL"/>
           </a:p>
@@ -2171,7 +2172,7 @@
           <a:p>
             <a:fld id="{48397F34-261D-4542-A23F-5F144784B587}" type="datetimeFigureOut">
               <a:rPr lang="he-IL" smtClean="0"/>
-              <a:t>כ"ד/סיון/תשפ"א</a:t>
+              <a:t>כ"ו/סיון/תשפ"א</a:t>
             </a:fld>
             <a:endParaRPr lang="he-IL"/>
           </a:p>
@@ -2312,7 +2313,7 @@
           <a:p>
             <a:fld id="{48397F34-261D-4542-A23F-5F144784B587}" type="datetimeFigureOut">
               <a:rPr lang="he-IL" smtClean="0"/>
-              <a:t>כ"ד/סיון/תשפ"א</a:t>
+              <a:t>כ"ו/סיון/תשפ"א</a:t>
             </a:fld>
             <a:endParaRPr lang="he-IL"/>
           </a:p>
@@ -2425,7 +2426,7 @@
           <a:p>
             <a:fld id="{48397F34-261D-4542-A23F-5F144784B587}" type="datetimeFigureOut">
               <a:rPr lang="he-IL" smtClean="0"/>
-              <a:t>כ"ד/סיון/תשפ"א</a:t>
+              <a:t>כ"ו/סיון/תשפ"א</a:t>
             </a:fld>
             <a:endParaRPr lang="he-IL"/>
           </a:p>
@@ -2736,7 +2737,7 @@
           <a:p>
             <a:fld id="{48397F34-261D-4542-A23F-5F144784B587}" type="datetimeFigureOut">
               <a:rPr lang="he-IL" smtClean="0"/>
-              <a:t>כ"ד/סיון/תשפ"א</a:t>
+              <a:t>כ"ו/סיון/תשפ"א</a:t>
             </a:fld>
             <a:endParaRPr lang="he-IL"/>
           </a:p>
@@ -3024,7 +3025,7 @@
           <a:p>
             <a:fld id="{48397F34-261D-4542-A23F-5F144784B587}" type="datetimeFigureOut">
               <a:rPr lang="he-IL" smtClean="0"/>
-              <a:t>כ"ד/סיון/תשפ"א</a:t>
+              <a:t>כ"ו/סיון/תשפ"א</a:t>
             </a:fld>
             <a:endParaRPr lang="he-IL"/>
           </a:p>
@@ -3283,7 +3284,7 @@
           <a:p>
             <a:fld id="{48397F34-261D-4542-A23F-5F144784B587}" type="datetimeFigureOut">
               <a:rPr lang="he-IL" smtClean="0"/>
-              <a:t>כ"ד/סיון/תשפ"א</a:t>
+              <a:t>כ"ו/סיון/תשפ"א</a:t>
             </a:fld>
             <a:endParaRPr lang="he-IL"/>
           </a:p>
@@ -3702,6 +3703,154 @@
       </p:grpSpPr>
       <p:sp>
         <p:nvSpPr>
+          <p:cNvPr id="2" name="כותרת 1"/>
+          <p:cNvSpPr>
+            <a:spLocks noGrp="1"/>
+          </p:cNvSpPr>
+          <p:nvPr>
+            <p:ph type="ctrTitle"/>
+          </p:nvPr>
+        </p:nvSpPr>
+        <p:spPr/>
+        <p:txBody>
+          <a:bodyPr/>
+          <a:lstStyle/>
+          <a:p>
+            <a:r>
+              <a:rPr lang="he-IL" dirty="0" smtClean="0"/>
+              <a:t>קבוצת התאטרון הירושלמי</a:t>
+            </a:r>
+            <a:endParaRPr lang="he-IL" dirty="0"/>
+          </a:p>
+        </p:txBody>
+      </p:sp>
+      <p:sp>
+        <p:nvSpPr>
+          <p:cNvPr id="3" name="כותרת משנה 2"/>
+          <p:cNvSpPr>
+            <a:spLocks noGrp="1"/>
+          </p:cNvSpPr>
+          <p:nvPr>
+            <p:ph type="subTitle" idx="1"/>
+          </p:nvPr>
+        </p:nvSpPr>
+        <p:spPr>
+          <a:xfrm>
+            <a:off x="1524000" y="3602038"/>
+            <a:ext cx="9144000" cy="457006"/>
+          </a:xfrm>
+        </p:spPr>
+        <p:txBody>
+          <a:bodyPr/>
+          <a:lstStyle/>
+          <a:p>
+            <a:r>
+              <a:rPr lang="he-IL" dirty="0" smtClean="0"/>
+              <a:t>אתר לייעול תהליך ההפקה</a:t>
+            </a:r>
+            <a:endParaRPr lang="he-IL" dirty="0"/>
+          </a:p>
+        </p:txBody>
+      </p:sp>
+      <p:pic>
+        <p:nvPicPr>
+          <p:cNvPr id="4" name="תמונה 3"/>
+          <p:cNvPicPr>
+            <a:picLocks noChangeAspect="1"/>
+          </p:cNvPicPr>
+          <p:nvPr/>
+        </p:nvPicPr>
+        <p:blipFill>
+          <a:blip r:embed="rId2" cstate="print">
+            <a:extLst>
+              <a:ext uri="{28A0092B-C50C-407E-A947-70E740481C1C}">
+                <a14:useLocalDpi xmlns:a14="http://schemas.microsoft.com/office/drawing/2010/main" val="0"/>
+              </a:ext>
+            </a:extLst>
+          </a:blip>
+          <a:stretch>
+            <a:fillRect/>
+          </a:stretch>
+        </p:blipFill>
+        <p:spPr>
+          <a:xfrm>
+            <a:off x="150921" y="159437"/>
+            <a:ext cx="2128046" cy="2085485"/>
+          </a:xfrm>
+          <a:prstGeom prst="rect">
+            <a:avLst/>
+          </a:prstGeom>
+        </p:spPr>
+      </p:pic>
+      <p:sp>
+        <p:nvSpPr>
+          <p:cNvPr id="5" name="TextBox 4"/>
+          <p:cNvSpPr txBox="1"/>
+          <p:nvPr/>
+        </p:nvSpPr>
+        <p:spPr>
+          <a:xfrm>
+            <a:off x="3748668" y="5018049"/>
+            <a:ext cx="4694663" cy="369332"/>
+          </a:xfrm>
+          <a:prstGeom prst="rect">
+            <a:avLst/>
+          </a:prstGeom>
+          <a:noFill/>
+        </p:spPr>
+        <p:txBody>
+          <a:bodyPr wrap="square" rtlCol="1">
+            <a:spAutoFit/>
+          </a:bodyPr>
+          <a:lstStyle/>
+          <a:p>
+            <a:r>
+              <a:rPr lang="he-IL" dirty="0" smtClean="0"/>
+              <a:t>יניב גלעד, דורון צ'פניצקי, אלה רוזנברג ויעל ליברמן</a:t>
+            </a:r>
+            <a:endParaRPr lang="he-IL" dirty="0"/>
+          </a:p>
+        </p:txBody>
+      </p:sp>
+    </p:spTree>
+    <p:extLst>
+      <p:ext uri="{BB962C8B-B14F-4D97-AF65-F5344CB8AC3E}">
+        <p14:creationId xmlns:p14="http://schemas.microsoft.com/office/powerpoint/2010/main" val="3254452033"/>
+      </p:ext>
+    </p:extLst>
+  </p:cSld>
+  <p:clrMapOvr>
+    <a:masterClrMapping/>
+  </p:clrMapOvr>
+  <p:timing>
+    <p:tnLst>
+      <p:par>
+        <p:cTn id="1" dur="indefinite" restart="never" nodeType="tmRoot"/>
+      </p:par>
+    </p:tnLst>
+  </p:timing>
+</p:sld>
+</file>
+
+<file path=ppt/slides/slide2.xml><?xml version="1.0" encoding="utf-8"?>
+<p:sld xmlns:a="http://schemas.openxmlformats.org/drawingml/2006/main" xmlns:r="http://schemas.openxmlformats.org/officeDocument/2006/relationships" xmlns:p="http://schemas.openxmlformats.org/presentationml/2006/main">
+  <p:cSld>
+    <p:spTree>
+      <p:nvGrpSpPr>
+        <p:cNvPr id="1" name=""/>
+        <p:cNvGrpSpPr/>
+        <p:nvPr/>
+      </p:nvGrpSpPr>
+      <p:grpSpPr>
+        <a:xfrm>
+          <a:off x="0" y="0"/>
+          <a:ext cx="0" cy="0"/>
+          <a:chOff x="0" y="0"/>
+          <a:chExt cx="0" cy="0"/>
+        </a:xfrm>
+      </p:grpSpPr>
+      <p:sp>
+        <p:nvSpPr>
           <p:cNvPr id="2" name="כותרת 1">
             <a:extLst>
               <a:ext uri="{FF2B5EF4-FFF2-40B4-BE49-F238E27FC236}">
@@ -3839,10 +3988,17 @@
   <p:clrMapOvr>
     <a:masterClrMapping/>
   </p:clrMapOvr>
+  <p:timing>
+    <p:tnLst>
+      <p:par>
+        <p:cTn id="1" dur="indefinite" restart="never" nodeType="tmRoot"/>
+      </p:par>
+    </p:tnLst>
+  </p:timing>
 </p:sld>
 </file>
 
-<file path=ppt/slides/slide2.xml><?xml version="1.0" encoding="utf-8"?>
+<file path=ppt/slides/slide3.xml><?xml version="1.0" encoding="utf-8"?>
 <p:sld xmlns:a="http://schemas.openxmlformats.org/drawingml/2006/main" xmlns:r="http://schemas.openxmlformats.org/officeDocument/2006/relationships" xmlns:p="http://schemas.openxmlformats.org/presentationml/2006/main">
   <p:cSld>
     <p:spTree>
@@ -3981,7 +4137,7 @@
 </p:sld>
 </file>
 
-<file path=ppt/slides/slide3.xml><?xml version="1.0" encoding="utf-8"?>
+<file path=ppt/slides/slide4.xml><?xml version="1.0" encoding="utf-8"?>
 <p:sld xmlns:a="http://schemas.openxmlformats.org/drawingml/2006/main" xmlns:r="http://schemas.openxmlformats.org/officeDocument/2006/relationships" xmlns:p="http://schemas.openxmlformats.org/presentationml/2006/main">
   <p:cSld>
     <p:spTree>
@@ -4146,7 +4302,7 @@
 </p:sld>
 </file>
 
-<file path=ppt/slides/slide4.xml><?xml version="1.0" encoding="utf-8"?>
+<file path=ppt/slides/slide5.xml><?xml version="1.0" encoding="utf-8"?>
 <p:sld xmlns:a="http://schemas.openxmlformats.org/drawingml/2006/main" xmlns:r="http://schemas.openxmlformats.org/officeDocument/2006/relationships" xmlns:p="http://schemas.openxmlformats.org/presentationml/2006/main">
   <p:cSld>
     <p:spTree>
